--- a/week 7/Slides/07-2 EMAT10007_Numpy_Functions.pptx
+++ b/week 7/Slides/07-2 EMAT10007_Numpy_Functions.pptx
@@ -5,7 +5,7 @@
     <p:sldMasterId id="2147483648" r:id="rId1"/>
   </p:sldMasterIdLst>
   <p:notesMasterIdLst>
-    <p:notesMasterId r:id="rId13"/>
+    <p:notesMasterId r:id="rId14"/>
   </p:notesMasterIdLst>
   <p:sldIdLst>
     <p:sldId id="260" r:id="rId2"/>
@@ -19,6 +19,7 @@
     <p:sldId id="283" r:id="rId10"/>
     <p:sldId id="284" r:id="rId11"/>
     <p:sldId id="282" r:id="rId12"/>
+    <p:sldId id="285" r:id="rId13"/>
   </p:sldIdLst>
   <p:sldSz cx="12192000" cy="6858000"/>
   <p:notesSz cx="6858000" cy="9144000"/>
@@ -207,7 +208,7 @@
           <a:p>
             <a:fld id="{1AFC2406-82C6-CF4A-B27C-C2F326EF62C1}" type="datetimeFigureOut">
               <a:rPr lang="en-US" smtClean="0"/>
-              <a:t>9/16/20</a:t>
+              <a:t>11/12/20</a:t>
             </a:fld>
             <a:endParaRPr lang="en-US"/>
           </a:p>
@@ -878,7 +879,7 @@
           <a:p>
             <a:fld id="{54FF0283-3405-0C49-9DF2-C2137628C46D}" type="datetimeFigureOut">
               <a:rPr lang="en-US" smtClean="0"/>
-              <a:t>9/16/20</a:t>
+              <a:t>11/12/20</a:t>
             </a:fld>
             <a:endParaRPr lang="en-US"/>
           </a:p>
@@ -1048,7 +1049,7 @@
           <a:p>
             <a:fld id="{54FF0283-3405-0C49-9DF2-C2137628C46D}" type="datetimeFigureOut">
               <a:rPr lang="en-US" smtClean="0"/>
-              <a:t>9/16/20</a:t>
+              <a:t>11/12/20</a:t>
             </a:fld>
             <a:endParaRPr lang="en-US"/>
           </a:p>
@@ -1228,7 +1229,7 @@
           <a:p>
             <a:fld id="{54FF0283-3405-0C49-9DF2-C2137628C46D}" type="datetimeFigureOut">
               <a:rPr lang="en-US" smtClean="0"/>
-              <a:t>9/16/20</a:t>
+              <a:t>11/12/20</a:t>
             </a:fld>
             <a:endParaRPr lang="en-US"/>
           </a:p>
@@ -1593,7 +1594,7 @@
           <a:p>
             <a:fld id="{54FF0283-3405-0C49-9DF2-C2137628C46D}" type="datetimeFigureOut">
               <a:rPr lang="en-US" smtClean="0"/>
-              <a:t>9/16/20</a:t>
+              <a:t>11/12/20</a:t>
             </a:fld>
             <a:endParaRPr lang="en-US"/>
           </a:p>
@@ -1839,7 +1840,7 @@
           <a:p>
             <a:fld id="{54FF0283-3405-0C49-9DF2-C2137628C46D}" type="datetimeFigureOut">
               <a:rPr lang="en-US" smtClean="0"/>
-              <a:t>9/16/20</a:t>
+              <a:t>11/12/20</a:t>
             </a:fld>
             <a:endParaRPr lang="en-US"/>
           </a:p>
@@ -2071,7 +2072,7 @@
           <a:p>
             <a:fld id="{54FF0283-3405-0C49-9DF2-C2137628C46D}" type="datetimeFigureOut">
               <a:rPr lang="en-US" smtClean="0"/>
-              <a:t>9/16/20</a:t>
+              <a:t>11/12/20</a:t>
             </a:fld>
             <a:endParaRPr lang="en-US"/>
           </a:p>
@@ -2438,7 +2439,7 @@
           <a:p>
             <a:fld id="{54FF0283-3405-0C49-9DF2-C2137628C46D}" type="datetimeFigureOut">
               <a:rPr lang="en-US" smtClean="0"/>
-              <a:t>9/16/20</a:t>
+              <a:t>11/12/20</a:t>
             </a:fld>
             <a:endParaRPr lang="en-US"/>
           </a:p>
@@ -2556,7 +2557,7 @@
           <a:p>
             <a:fld id="{54FF0283-3405-0C49-9DF2-C2137628C46D}" type="datetimeFigureOut">
               <a:rPr lang="en-US" smtClean="0"/>
-              <a:t>9/16/20</a:t>
+              <a:t>11/12/20</a:t>
             </a:fld>
             <a:endParaRPr lang="en-US"/>
           </a:p>
@@ -2651,7 +2652,7 @@
           <a:p>
             <a:fld id="{54FF0283-3405-0C49-9DF2-C2137628C46D}" type="datetimeFigureOut">
               <a:rPr lang="en-US" smtClean="0"/>
-              <a:t>9/16/20</a:t>
+              <a:t>11/12/20</a:t>
             </a:fld>
             <a:endParaRPr lang="en-US"/>
           </a:p>
@@ -2928,7 +2929,7 @@
           <a:p>
             <a:fld id="{54FF0283-3405-0C49-9DF2-C2137628C46D}" type="datetimeFigureOut">
               <a:rPr lang="en-US" smtClean="0"/>
-              <a:t>9/16/20</a:t>
+              <a:t>11/12/20</a:t>
             </a:fld>
             <a:endParaRPr lang="en-US"/>
           </a:p>
@@ -3181,7 +3182,7 @@
           <a:p>
             <a:fld id="{54FF0283-3405-0C49-9DF2-C2137628C46D}" type="datetimeFigureOut">
               <a:rPr lang="en-US" smtClean="0"/>
-              <a:t>9/16/20</a:t>
+              <a:t>11/12/20</a:t>
             </a:fld>
             <a:endParaRPr lang="en-US"/>
           </a:p>
@@ -3394,7 +3395,7 @@
           <a:p>
             <a:fld id="{54FF0283-3405-0C49-9DF2-C2137628C46D}" type="datetimeFigureOut">
               <a:rPr lang="en-US" smtClean="0"/>
-              <a:t>9/16/20</a:t>
+              <a:t>11/12/20</a:t>
             </a:fld>
             <a:endParaRPr lang="en-US"/>
           </a:p>
@@ -4887,72 +4888,23 @@
           </p:cNvPicPr>
           <p:nvPr/>
         </p:nvPicPr>
-        <p:blipFill>
+        <p:blipFill rotWithShape="1">
           <a:blip r:embed="rId2"/>
-          <a:stretch>
-            <a:fillRect/>
-          </a:stretch>
+          <a:srcRect t="68012"/>
+          <a:stretch/>
         </p:blipFill>
         <p:spPr>
           <a:xfrm>
-            <a:off x="371557" y="934567"/>
-            <a:ext cx="2188125" cy="1369041"/>
+            <a:off x="366721" y="2094614"/>
+            <a:ext cx="2188125" cy="437924"/>
           </a:xfrm>
           <a:prstGeom prst="rect">
             <a:avLst/>
           </a:prstGeom>
         </p:spPr>
       </p:pic>
-      <p:pic>
-        <p:nvPicPr>
-          <p:cNvPr id="14" name="Picture 13"/>
-          <p:cNvPicPr>
-            <a:picLocks noChangeAspect="1"/>
-          </p:cNvPicPr>
-          <p:nvPr/>
-        </p:nvPicPr>
-        <p:blipFill>
-          <a:blip r:embed="rId3"/>
-          <a:stretch>
-            <a:fillRect/>
-          </a:stretch>
-        </p:blipFill>
-        <p:spPr>
-          <a:xfrm>
-            <a:off x="371557" y="3020203"/>
-            <a:ext cx="6572671" cy="2047416"/>
-          </a:xfrm>
-          <a:prstGeom prst="rect">
-            <a:avLst/>
-          </a:prstGeom>
-        </p:spPr>
-      </p:pic>
-      <p:pic>
-        <p:nvPicPr>
-          <p:cNvPr id="16" name="Picture 15"/>
-          <p:cNvPicPr>
-            <a:picLocks noChangeAspect="1"/>
-          </p:cNvPicPr>
-          <p:nvPr/>
-        </p:nvPicPr>
-        <p:blipFill>
-          <a:blip r:embed="rId4"/>
-          <a:stretch>
-            <a:fillRect/>
-          </a:stretch>
-        </p:blipFill>
-        <p:spPr>
-          <a:xfrm>
-            <a:off x="371557" y="5346624"/>
-            <a:ext cx="1584565" cy="816660"/>
-          </a:xfrm>
-          <a:prstGeom prst="rect">
-            <a:avLst/>
-          </a:prstGeom>
-        </p:spPr>
-      </p:pic>
-      <mc:AlternateContent xmlns:mc="http://schemas.openxmlformats.org/markup-compatibility/2006" xmlns:a14="http://schemas.microsoft.com/office/drawing/2010/main">
-        <mc:Choice Requires="a14">
+      <mc:AlternateContent xmlns:mc="http://schemas.openxmlformats.org/markup-compatibility/2006">
+        <mc:Choice xmlns:a14="http://schemas.microsoft.com/office/drawing/2010/main" Requires="a14">
           <p:sp>
             <p:nvSpPr>
               <p:cNvPr id="21" name="TextBox 20"/>
@@ -4961,7 +4913,7 @@
             </p:nvSpPr>
             <p:spPr>
               <a:xfrm>
-                <a:off x="2804937" y="930813"/>
+                <a:off x="2800101" y="1159743"/>
                 <a:ext cx="8958804" cy="1192699"/>
               </a:xfrm>
               <a:prstGeom prst="rect">
@@ -5448,7 +5400,7 @@
             </p:txBody>
           </p:sp>
         </mc:Choice>
-        <mc:Fallback xmlns="">
+        <mc:Fallback>
           <p:sp>
             <p:nvSpPr>
               <p:cNvPr id="21" name="TextBox 20"/>
@@ -5459,14 +5411,14 @@
             </p:nvSpPr>
             <p:spPr>
               <a:xfrm>
-                <a:off x="2804937" y="930813"/>
+                <a:off x="2800101" y="1159743"/>
                 <a:ext cx="8958804" cy="1192699"/>
               </a:xfrm>
               <a:prstGeom prst="rect">
                 <a:avLst/>
               </a:prstGeom>
               <a:blipFill rotWithShape="0">
-                <a:blip r:embed="rId5"/>
+                <a:blip r:embed="rId3"/>
                 <a:stretch>
                   <a:fillRect/>
                 </a:stretch>
@@ -5490,8 +5442,1062 @@
           </p:sp>
         </mc:Fallback>
       </mc:AlternateContent>
-      <mc:AlternateContent xmlns:mc="http://schemas.openxmlformats.org/markup-compatibility/2006" xmlns:a14="http://schemas.microsoft.com/office/drawing/2010/main">
-        <mc:Choice Requires="a14">
+      <p:sp>
+        <p:nvSpPr>
+          <p:cNvPr id="23" name="Rounded Rectangle 22"/>
+          <p:cNvSpPr/>
+          <p:nvPr/>
+        </p:nvSpPr>
+        <p:spPr>
+          <a:xfrm>
+            <a:off x="226045" y="1038317"/>
+            <a:ext cx="11765020" cy="1557612"/>
+          </a:xfrm>
+          <a:prstGeom prst="roundRect">
+            <a:avLst>
+              <a:gd name="adj" fmla="val 3026"/>
+            </a:avLst>
+          </a:prstGeom>
+          <a:noFill/>
+          <a:ln>
+            <a:solidFill>
+              <a:schemeClr val="accent2"/>
+            </a:solidFill>
+          </a:ln>
+        </p:spPr>
+        <p:style>
+          <a:lnRef idx="2">
+            <a:schemeClr val="accent1">
+              <a:shade val="50000"/>
+            </a:schemeClr>
+          </a:lnRef>
+          <a:fillRef idx="1">
+            <a:schemeClr val="accent1"/>
+          </a:fillRef>
+          <a:effectRef idx="0">
+            <a:schemeClr val="accent1"/>
+          </a:effectRef>
+          <a:fontRef idx="minor">
+            <a:schemeClr val="lt1"/>
+          </a:fontRef>
+        </p:style>
+        <p:txBody>
+          <a:bodyPr rtlCol="0" anchor="ctr"/>
+          <a:lstStyle/>
+          <a:p>
+            <a:pPr algn="ctr"/>
+            <a:endParaRPr lang="en-US"/>
+          </a:p>
+        </p:txBody>
+      </p:sp>
+      <p:sp>
+        <p:nvSpPr>
+          <p:cNvPr id="26" name="TextBox 25"/>
+          <p:cNvSpPr txBox="1"/>
+          <p:nvPr/>
+        </p:nvSpPr>
+        <p:spPr>
+          <a:xfrm>
+            <a:off x="227072" y="263054"/>
+            <a:ext cx="5148111" cy="307777"/>
+          </a:xfrm>
+          <a:prstGeom prst="rect">
+            <a:avLst/>
+          </a:prstGeom>
+          <a:solidFill>
+            <a:schemeClr val="accent2">
+              <a:lumMod val="20000"/>
+              <a:lumOff val="80000"/>
+            </a:schemeClr>
+          </a:solidFill>
+        </p:spPr>
+        <p:txBody>
+          <a:bodyPr wrap="square" rtlCol="0">
+            <a:spAutoFit/>
+          </a:bodyPr>
+          <a:lstStyle/>
+          <a:p>
+            <a:r>
+              <a:rPr lang="en-US" sz="1400" dirty="0" smtClean="0"/>
+              <a:t>Inner dimensions are equal (n columns matrix A = m rows matrix B)</a:t>
+            </a:r>
+            <a:endParaRPr lang="en-US" sz="1400" dirty="0"/>
+          </a:p>
+        </p:txBody>
+      </p:sp>
+      <p:sp>
+        <p:nvSpPr>
+          <p:cNvPr id="17" name="TextBox 16"/>
+          <p:cNvSpPr txBox="1"/>
+          <p:nvPr/>
+        </p:nvSpPr>
+        <p:spPr>
+          <a:xfrm>
+            <a:off x="3529612" y="1848017"/>
+            <a:ext cx="246888" cy="369332"/>
+          </a:xfrm>
+          <a:prstGeom prst="rect">
+            <a:avLst/>
+          </a:prstGeom>
+          <a:noFill/>
+        </p:spPr>
+        <p:txBody>
+          <a:bodyPr wrap="square" rtlCol="0">
+            <a:spAutoFit/>
+          </a:bodyPr>
+          <a:lstStyle/>
+          <a:p>
+            <a:r>
+              <a:rPr lang="en-US" smtClean="0"/>
+              <a:t>A</a:t>
+            </a:r>
+            <a:endParaRPr lang="en-US"/>
+          </a:p>
+        </p:txBody>
+      </p:sp>
+      <p:sp>
+        <p:nvSpPr>
+          <p:cNvPr id="27" name="TextBox 26"/>
+          <p:cNvSpPr txBox="1"/>
+          <p:nvPr/>
+        </p:nvSpPr>
+        <p:spPr>
+          <a:xfrm>
+            <a:off x="4506011" y="1885945"/>
+            <a:ext cx="246888" cy="369332"/>
+          </a:xfrm>
+          <a:prstGeom prst="rect">
+            <a:avLst/>
+          </a:prstGeom>
+          <a:noFill/>
+        </p:spPr>
+        <p:txBody>
+          <a:bodyPr wrap="square" rtlCol="0">
+            <a:spAutoFit/>
+          </a:bodyPr>
+          <a:lstStyle/>
+          <a:p>
+            <a:r>
+              <a:rPr lang="en-US" dirty="0" smtClean="0"/>
+              <a:t>B</a:t>
+            </a:r>
+            <a:endParaRPr lang="en-US" dirty="0"/>
+          </a:p>
+        </p:txBody>
+      </p:sp>
+      <p:cxnSp>
+        <p:nvCxnSpPr>
+          <p:cNvPr id="28" name="Straight Connector 27"/>
+          <p:cNvCxnSpPr/>
+          <p:nvPr/>
+        </p:nvCxnSpPr>
+        <p:spPr>
+          <a:xfrm flipV="1">
+            <a:off x="3138500" y="1260288"/>
+            <a:ext cx="1046958" cy="3896"/>
+          </a:xfrm>
+          <a:prstGeom prst="line">
+            <a:avLst/>
+          </a:prstGeom>
+          <a:ln w="31750">
+            <a:solidFill>
+              <a:schemeClr val="accent1">
+                <a:alpha val="44000"/>
+              </a:schemeClr>
+            </a:solidFill>
+          </a:ln>
+        </p:spPr>
+        <p:style>
+          <a:lnRef idx="1">
+            <a:schemeClr val="accent1"/>
+          </a:lnRef>
+          <a:fillRef idx="0">
+            <a:schemeClr val="accent1"/>
+          </a:fillRef>
+          <a:effectRef idx="0">
+            <a:schemeClr val="accent1"/>
+          </a:effectRef>
+          <a:fontRef idx="minor">
+            <a:schemeClr val="tx1"/>
+          </a:fontRef>
+        </p:style>
+      </p:cxnSp>
+      <p:cxnSp>
+        <p:nvCxnSpPr>
+          <p:cNvPr id="29" name="Straight Connector 28"/>
+          <p:cNvCxnSpPr/>
+          <p:nvPr/>
+        </p:nvCxnSpPr>
+        <p:spPr>
+          <a:xfrm flipH="1">
+            <a:off x="4301087" y="1170317"/>
+            <a:ext cx="1" cy="733890"/>
+          </a:xfrm>
+          <a:prstGeom prst="line">
+            <a:avLst/>
+          </a:prstGeom>
+          <a:ln w="31750">
+            <a:solidFill>
+              <a:schemeClr val="accent1">
+                <a:alpha val="44000"/>
+              </a:schemeClr>
+            </a:solidFill>
+          </a:ln>
+        </p:spPr>
+        <p:style>
+          <a:lnRef idx="1">
+            <a:schemeClr val="accent1"/>
+          </a:lnRef>
+          <a:fillRef idx="0">
+            <a:schemeClr val="accent1"/>
+          </a:fillRef>
+          <a:effectRef idx="0">
+            <a:schemeClr val="accent1"/>
+          </a:effectRef>
+          <a:fontRef idx="minor">
+            <a:schemeClr val="tx1"/>
+          </a:fontRef>
+        </p:style>
+      </p:cxnSp>
+      <p:cxnSp>
+        <p:nvCxnSpPr>
+          <p:cNvPr id="20" name="Straight Connector 19"/>
+          <p:cNvCxnSpPr/>
+          <p:nvPr/>
+        </p:nvCxnSpPr>
+        <p:spPr>
+          <a:xfrm>
+            <a:off x="226045" y="570831"/>
+            <a:ext cx="1394873" cy="0"/>
+          </a:xfrm>
+          <a:prstGeom prst="line">
+            <a:avLst/>
+          </a:prstGeom>
+          <a:ln w="31750">
+            <a:solidFill>
+              <a:schemeClr val="accent1">
+                <a:alpha val="44000"/>
+              </a:schemeClr>
+            </a:solidFill>
+          </a:ln>
+        </p:spPr>
+        <p:style>
+          <a:lnRef idx="1">
+            <a:schemeClr val="accent1"/>
+          </a:lnRef>
+          <a:fillRef idx="0">
+            <a:schemeClr val="accent1"/>
+          </a:fillRef>
+          <a:effectRef idx="0">
+            <a:schemeClr val="accent1"/>
+          </a:effectRef>
+          <a:fontRef idx="minor">
+            <a:schemeClr val="tx1"/>
+          </a:fontRef>
+        </p:style>
+      </p:cxnSp>
+      <p:sp>
+        <p:nvSpPr>
+          <p:cNvPr id="30" name="TextBox 29"/>
+          <p:cNvSpPr txBox="1"/>
+          <p:nvPr/>
+        </p:nvSpPr>
+        <p:spPr>
+          <a:xfrm>
+            <a:off x="226045" y="650686"/>
+            <a:ext cx="5148111" cy="307777"/>
+          </a:xfrm>
+          <a:prstGeom prst="rect">
+            <a:avLst/>
+          </a:prstGeom>
+          <a:solidFill>
+            <a:schemeClr val="accent2">
+              <a:lumMod val="20000"/>
+              <a:lumOff val="80000"/>
+            </a:schemeClr>
+          </a:solidFill>
+        </p:spPr>
+        <p:txBody>
+          <a:bodyPr wrap="square" rtlCol="0">
+            <a:spAutoFit/>
+          </a:bodyPr>
+          <a:lstStyle/>
+          <a:p>
+            <a:r>
+              <a:rPr lang="en-US" sz="1400" dirty="0" smtClean="0"/>
+              <a:t>Outer dimensions determine size of output matrix </a:t>
+            </a:r>
+            <a:endParaRPr lang="en-US" sz="1400" dirty="0"/>
+          </a:p>
+        </p:txBody>
+      </p:sp>
+      <p:pic>
+        <p:nvPicPr>
+          <p:cNvPr id="31" name="Picture 30"/>
+          <p:cNvPicPr>
+            <a:picLocks noChangeAspect="1"/>
+          </p:cNvPicPr>
+          <p:nvPr/>
+        </p:nvPicPr>
+        <p:blipFill rotWithShape="1">
+          <a:blip r:embed="rId2"/>
+          <a:srcRect l="14263" b="36130"/>
+          <a:stretch/>
+        </p:blipFill>
+        <p:spPr>
+          <a:xfrm>
+            <a:off x="399479" y="1189923"/>
+            <a:ext cx="1876035" cy="874410"/>
+          </a:xfrm>
+          <a:prstGeom prst="rect">
+            <a:avLst/>
+          </a:prstGeom>
+        </p:spPr>
+      </p:pic>
+      <mc:AlternateContent xmlns:mc="http://schemas.openxmlformats.org/markup-compatibility/2006">
+        <mc:Choice xmlns:a14="http://schemas.microsoft.com/office/drawing/2010/main" Requires="a14">
+          <p:sp>
+            <p:nvSpPr>
+              <p:cNvPr id="33" name="TextBox 32"/>
+              <p:cNvSpPr txBox="1"/>
+              <p:nvPr/>
+            </p:nvSpPr>
+            <p:spPr>
+              <a:xfrm>
+                <a:off x="4752899" y="3322131"/>
+                <a:ext cx="4380468" cy="1007776"/>
+              </a:xfrm>
+              <a:prstGeom prst="rect">
+                <a:avLst/>
+              </a:prstGeom>
+              <a:noFill/>
+              <a:ln>
+                <a:noFill/>
+              </a:ln>
+            </p:spPr>
+            <p:txBody>
+              <a:bodyPr wrap="square" lIns="0" tIns="0" rIns="0" bIns="0" rtlCol="0">
+                <a:spAutoFit/>
+              </a:bodyPr>
+              <a:lstStyle/>
+              <a:p>
+                <a:pPr/>
+                <a14:m>
+                  <m:oMathPara xmlns:m="http://schemas.openxmlformats.org/officeDocument/2006/math">
+                    <m:oMathParaPr>
+                      <m:jc m:val="left"/>
+                    </m:oMathParaPr>
+                    <m:oMath xmlns:m="http://schemas.openxmlformats.org/officeDocument/2006/math">
+                      <m:d>
+                        <m:dPr>
+                          <m:begChr m:val="["/>
+                          <m:endChr m:val="]"/>
+                          <m:ctrlPr>
+                            <a:rPr lang="mr-IN" i="1" smtClean="0">
+                              <a:latin typeface="Cambria Math" charset="0"/>
+                              <a:ea typeface="Cambria Math" charset="0"/>
+                              <a:cs typeface="Cambria Math" charset="0"/>
+                            </a:rPr>
+                          </m:ctrlPr>
+                        </m:dPr>
+                        <m:e>
+                          <m:m>
+                            <m:mPr>
+                              <m:mcs>
+                                <m:mc>
+                                  <m:mcPr>
+                                    <m:count m:val="3"/>
+                                    <m:mcJc m:val="center"/>
+                                  </m:mcPr>
+                                </m:mc>
+                              </m:mcs>
+                              <m:ctrlPr>
+                                <a:rPr lang="uk-UA" i="1">
+                                  <a:latin typeface="Cambria Math" charset="0"/>
+                                  <a:ea typeface="Cambria Math" charset="0"/>
+                                  <a:cs typeface="Cambria Math" charset="0"/>
+                                </a:rPr>
+                              </m:ctrlPr>
+                            </m:mPr>
+                            <m:mr>
+                              <m:e>
+                                <m:r>
+                                  <m:rPr>
+                                    <m:brk m:alnAt="7"/>
+                                  </m:rPr>
+                                  <a:rPr lang="en-GB" b="0" i="1" smtClean="0">
+                                    <a:latin typeface="Cambria Math" charset="0"/>
+                                    <a:ea typeface="Cambria Math" charset="0"/>
+                                    <a:cs typeface="Cambria Math" charset="0"/>
+                                  </a:rPr>
+                                  <m:t>5</m:t>
+                                </m:r>
+                              </m:e>
+                              <m:e>
+                                <m:r>
+                                  <a:rPr lang="en-GB" b="0" i="1" smtClean="0">
+                                    <a:latin typeface="Cambria Math" charset="0"/>
+                                    <a:ea typeface="Cambria Math" charset="0"/>
+                                    <a:cs typeface="Cambria Math" charset="0"/>
+                                  </a:rPr>
+                                  <m:t>7</m:t>
+                                </m:r>
+                              </m:e>
+                              <m:e>
+                                <m:r>
+                                  <a:rPr lang="en-GB" b="0" i="1" smtClean="0">
+                                    <a:latin typeface="Cambria Math" charset="0"/>
+                                    <a:ea typeface="Cambria Math" charset="0"/>
+                                    <a:cs typeface="Cambria Math" charset="0"/>
+                                  </a:rPr>
+                                  <m:t>9</m:t>
+                                </m:r>
+                              </m:e>
+                            </m:mr>
+                            <m:mr>
+                              <m:e>
+                                <m:r>
+                                  <a:rPr lang="en-GB" b="0" i="1" smtClean="0">
+                                    <a:latin typeface="Cambria Math" charset="0"/>
+                                    <a:ea typeface="Cambria Math" charset="0"/>
+                                    <a:cs typeface="Cambria Math" charset="0"/>
+                                  </a:rPr>
+                                  <m:t>8</m:t>
+                                </m:r>
+                              </m:e>
+                              <m:e>
+                                <m:r>
+                                  <a:rPr lang="en-GB" b="0" i="1" smtClean="0">
+                                    <a:latin typeface="Cambria Math" charset="0"/>
+                                    <a:ea typeface="Cambria Math" charset="0"/>
+                                    <a:cs typeface="Cambria Math" charset="0"/>
+                                  </a:rPr>
+                                  <m:t>4</m:t>
+                                </m:r>
+                              </m:e>
+                              <m:e>
+                                <m:r>
+                                  <a:rPr lang="en-GB" i="1">
+                                    <a:latin typeface="Cambria Math" charset="0"/>
+                                    <a:ea typeface="Cambria Math" charset="0"/>
+                                    <a:cs typeface="Cambria Math" charset="0"/>
+                                  </a:rPr>
+                                  <m:t>1</m:t>
+                                </m:r>
+                              </m:e>
+                            </m:mr>
+                          </m:m>
+                        </m:e>
+                      </m:d>
+                      <m:r>
+                        <a:rPr lang="mr-IN" i="1">
+                          <a:latin typeface="Cambria Math" charset="0"/>
+                          <a:ea typeface="Cambria Math" charset="0"/>
+                          <a:cs typeface="Cambria Math" charset="0"/>
+                        </a:rPr>
+                        <m:t>∙</m:t>
+                      </m:r>
+                      <m:d>
+                        <m:dPr>
+                          <m:begChr m:val="["/>
+                          <m:endChr m:val="]"/>
+                          <m:ctrlPr>
+                            <a:rPr lang="mr-IN" i="1" smtClean="0">
+                              <a:latin typeface="Cambria Math" charset="0"/>
+                            </a:rPr>
+                          </m:ctrlPr>
+                        </m:dPr>
+                        <m:e>
+                          <m:m>
+                            <m:mPr>
+                              <m:mcs>
+                                <m:mc>
+                                  <m:mcPr>
+                                    <m:count m:val="3"/>
+                                    <m:mcJc m:val="center"/>
+                                  </m:mcPr>
+                                </m:mc>
+                              </m:mcs>
+                              <m:ctrlPr>
+                                <a:rPr lang="uk-UA" i="1" smtClean="0">
+                                  <a:latin typeface="Cambria Math" charset="0"/>
+                                </a:rPr>
+                              </m:ctrlPr>
+                            </m:mPr>
+                            <m:mr>
+                              <m:e>
+                                <m:r>
+                                  <m:rPr>
+                                    <m:brk m:alnAt="7"/>
+                                  </m:rPr>
+                                  <a:rPr lang="en-GB" b="0" i="1" smtClean="0">
+                                    <a:latin typeface="Cambria Math" charset="0"/>
+                                  </a:rPr>
+                                  <m:t>8</m:t>
+                                </m:r>
+                              </m:e>
+                              <m:e>
+                                <m:r>
+                                  <a:rPr lang="en-GB" b="0" i="1" smtClean="0">
+                                    <a:latin typeface="Cambria Math" charset="0"/>
+                                  </a:rPr>
+                                  <m:t>7</m:t>
+                                </m:r>
+                              </m:e>
+                              <m:e>
+                                <m:r>
+                                  <a:rPr lang="en-GB" b="0" i="1" smtClean="0">
+                                    <a:latin typeface="Cambria Math" charset="0"/>
+                                  </a:rPr>
+                                  <m:t>9</m:t>
+                                </m:r>
+                              </m:e>
+                            </m:mr>
+                            <m:mr>
+                              <m:e>
+                                <m:r>
+                                  <a:rPr lang="en-GB" b="0" i="1" smtClean="0">
+                                    <a:latin typeface="Cambria Math" charset="0"/>
+                                  </a:rPr>
+                                  <m:t>5</m:t>
+                                </m:r>
+                              </m:e>
+                              <m:e>
+                                <m:r>
+                                  <a:rPr lang="en-GB" b="0" i="1" smtClean="0">
+                                    <a:latin typeface="Cambria Math" charset="0"/>
+                                  </a:rPr>
+                                  <m:t>2</m:t>
+                                </m:r>
+                              </m:e>
+                              <m:e>
+                                <m:r>
+                                  <a:rPr lang="en-GB" b="0" i="1" smtClean="0">
+                                    <a:latin typeface="Cambria Math" charset="0"/>
+                                  </a:rPr>
+                                  <m:t>9</m:t>
+                                </m:r>
+                              </m:e>
+                            </m:mr>
+                            <m:mr>
+                              <m:e>
+                                <m:r>
+                                  <a:rPr lang="en-GB" b="0" i="1" smtClean="0">
+                                    <a:latin typeface="Cambria Math" charset="0"/>
+                                  </a:rPr>
+                                  <m:t>1</m:t>
+                                </m:r>
+                              </m:e>
+                              <m:e>
+                                <m:r>
+                                  <a:rPr lang="en-GB" b="0" i="1" smtClean="0">
+                                    <a:latin typeface="Cambria Math" charset="0"/>
+                                  </a:rPr>
+                                  <m:t>1</m:t>
+                                </m:r>
+                              </m:e>
+                              <m:e>
+                                <m:r>
+                                  <a:rPr lang="en-GB" b="0" i="1" smtClean="0">
+                                    <a:latin typeface="Cambria Math" charset="0"/>
+                                  </a:rPr>
+                                  <m:t>2</m:t>
+                                </m:r>
+                              </m:e>
+                            </m:mr>
+                          </m:m>
+                        </m:e>
+                      </m:d>
+                      <m:r>
+                        <a:rPr lang="en-GB" b="0" i="1" smtClean="0">
+                          <a:latin typeface="Cambria Math" charset="0"/>
+                          <a:ea typeface="Cambria Math" charset="0"/>
+                          <a:cs typeface="Cambria Math" charset="0"/>
+                        </a:rPr>
+                        <m:t>=</m:t>
+                      </m:r>
+                      <m:d>
+                        <m:dPr>
+                          <m:begChr m:val="["/>
+                          <m:endChr m:val="]"/>
+                          <m:ctrlPr>
+                            <a:rPr lang="mr-IN" b="0" i="1" smtClean="0">
+                              <a:latin typeface="Cambria Math" charset="0"/>
+                              <a:ea typeface="Cambria Math" charset="0"/>
+                              <a:cs typeface="Cambria Math" charset="0"/>
+                            </a:rPr>
+                          </m:ctrlPr>
+                        </m:dPr>
+                        <m:e>
+                          <m:m>
+                            <m:mPr>
+                              <m:mcs>
+                                <m:mc>
+                                  <m:mcPr>
+                                    <m:count m:val="3"/>
+                                    <m:mcJc m:val="center"/>
+                                  </m:mcPr>
+                                </m:mc>
+                              </m:mcs>
+                              <m:ctrlPr>
+                                <a:rPr lang="uk-UA" b="0" i="1" smtClean="0">
+                                  <a:latin typeface="Cambria Math" charset="0"/>
+                                  <a:ea typeface="Cambria Math" charset="0"/>
+                                  <a:cs typeface="Cambria Math" charset="0"/>
+                                </a:rPr>
+                              </m:ctrlPr>
+                            </m:mPr>
+                            <m:mr>
+                              <m:e>
+                                <m:r>
+                                  <m:rPr>
+                                    <m:brk m:alnAt="7"/>
+                                  </m:rPr>
+                                  <a:rPr lang="en-GB" b="0" i="1" smtClean="0">
+                                    <a:latin typeface="Cambria Math" charset="0"/>
+                                    <a:ea typeface="Cambria Math" charset="0"/>
+                                    <a:cs typeface="Cambria Math" charset="0"/>
+                                  </a:rPr>
+                                  <m:t>84</m:t>
+                                </m:r>
+                              </m:e>
+                              <m:e>
+                                <m:r>
+                                  <a:rPr lang="en-GB" b="0" i="1" smtClean="0">
+                                    <a:latin typeface="Cambria Math" charset="0"/>
+                                    <a:ea typeface="Cambria Math" charset="0"/>
+                                    <a:cs typeface="Cambria Math" charset="0"/>
+                                  </a:rPr>
+                                  <m:t>58</m:t>
+                                </m:r>
+                              </m:e>
+                              <m:e>
+                                <m:r>
+                                  <a:rPr lang="en-GB" b="0" i="1" smtClean="0">
+                                    <a:latin typeface="Cambria Math" charset="0"/>
+                                    <a:ea typeface="Cambria Math" charset="0"/>
+                                    <a:cs typeface="Cambria Math" charset="0"/>
+                                  </a:rPr>
+                                  <m:t>126</m:t>
+                                </m:r>
+                              </m:e>
+                            </m:mr>
+                            <m:mr>
+                              <m:e>
+                                <m:r>
+                                  <a:rPr lang="en-GB" b="0" i="1" smtClean="0">
+                                    <a:latin typeface="Cambria Math" charset="0"/>
+                                    <a:ea typeface="Cambria Math" charset="0"/>
+                                    <a:cs typeface="Cambria Math" charset="0"/>
+                                  </a:rPr>
+                                  <m:t>85</m:t>
+                                </m:r>
+                              </m:e>
+                              <m:e>
+                                <m:r>
+                                  <a:rPr lang="en-GB" b="0" i="1" smtClean="0">
+                                    <a:latin typeface="Cambria Math" charset="0"/>
+                                    <a:ea typeface="Cambria Math" charset="0"/>
+                                    <a:cs typeface="Cambria Math" charset="0"/>
+                                  </a:rPr>
+                                  <m:t>65</m:t>
+                                </m:r>
+                              </m:e>
+                              <m:e>
+                                <m:r>
+                                  <a:rPr lang="en-GB" b="0" i="1" smtClean="0">
+                                    <a:latin typeface="Cambria Math" charset="0"/>
+                                    <a:ea typeface="Cambria Math" charset="0"/>
+                                    <a:cs typeface="Cambria Math" charset="0"/>
+                                  </a:rPr>
+                                  <m:t>110</m:t>
+                                </m:r>
+                              </m:e>
+                            </m:mr>
+                          </m:m>
+                        </m:e>
+                      </m:d>
+                    </m:oMath>
+                  </m:oMathPara>
+                </a14:m>
+                <a:endParaRPr lang="en-GB" b="0" i="1" dirty="0" smtClean="0">
+                  <a:latin typeface="Cambria Math" charset="0"/>
+                  <a:ea typeface="Cambria Math" charset="0"/>
+                  <a:cs typeface="Cambria Math" charset="0"/>
+                </a:endParaRPr>
+              </a:p>
+              <a:p>
+                <a:r>
+                  <a:rPr lang="en-GB" b="0" dirty="0" smtClean="0">
+                    <a:ea typeface="Cambria Math" charset="0"/>
+                    <a:cs typeface="Cambria Math" charset="0"/>
+                  </a:rPr>
+                  <a:t>                                         </a:t>
+                </a:r>
+              </a:p>
+            </p:txBody>
+          </p:sp>
+        </mc:Choice>
+        <mc:Fallback>
+          <p:sp>
+            <p:nvSpPr>
+              <p:cNvPr id="33" name="TextBox 32"/>
+              <p:cNvSpPr txBox="1">
+                <a:spLocks noRot="1" noChangeAspect="1" noMove="1" noResize="1" noEditPoints="1" noAdjustHandles="1" noChangeArrowheads="1" noChangeShapeType="1" noTextEdit="1"/>
+              </p:cNvSpPr>
+              <p:nvPr/>
+            </p:nvSpPr>
+            <p:spPr>
+              <a:xfrm>
+                <a:off x="4752899" y="3322131"/>
+                <a:ext cx="4380468" cy="1007776"/>
+              </a:xfrm>
+              <a:prstGeom prst="rect">
+                <a:avLst/>
+              </a:prstGeom>
+              <a:blipFill rotWithShape="0">
+                <a:blip r:embed="rId4"/>
+                <a:stretch>
+                  <a:fillRect/>
+                </a:stretch>
+              </a:blipFill>
+              <a:ln>
+                <a:noFill/>
+              </a:ln>
+            </p:spPr>
+            <p:txBody>
+              <a:bodyPr/>
+              <a:lstStyle/>
+              <a:p>
+                <a:r>
+                  <a:rPr lang="en-US">
+                    <a:noFill/>
+                  </a:rPr>
+                  <a:t> </a:t>
+                </a:r>
+              </a:p>
+            </p:txBody>
+          </p:sp>
+        </mc:Fallback>
+      </mc:AlternateContent>
+      <p:sp>
+        <p:nvSpPr>
+          <p:cNvPr id="34" name="Rounded Rectangle 33"/>
+          <p:cNvSpPr/>
+          <p:nvPr/>
+        </p:nvSpPr>
+        <p:spPr>
+          <a:xfrm>
+            <a:off x="226045" y="3078643"/>
+            <a:ext cx="11765020" cy="1695375"/>
+          </a:xfrm>
+          <a:prstGeom prst="roundRect">
+            <a:avLst>
+              <a:gd name="adj" fmla="val 3026"/>
+            </a:avLst>
+          </a:prstGeom>
+          <a:noFill/>
+          <a:ln>
+            <a:solidFill>
+              <a:schemeClr val="accent2"/>
+            </a:solidFill>
+          </a:ln>
+        </p:spPr>
+        <p:style>
+          <a:lnRef idx="2">
+            <a:schemeClr val="accent1">
+              <a:shade val="50000"/>
+            </a:schemeClr>
+          </a:lnRef>
+          <a:fillRef idx="1">
+            <a:schemeClr val="accent1"/>
+          </a:fillRef>
+          <a:effectRef idx="0">
+            <a:schemeClr val="accent1"/>
+          </a:effectRef>
+          <a:fontRef idx="minor">
+            <a:schemeClr val="lt1"/>
+          </a:fontRef>
+        </p:style>
+        <p:txBody>
+          <a:bodyPr rtlCol="0" anchor="ctr"/>
+          <a:lstStyle/>
+          <a:p>
+            <a:pPr algn="ctr"/>
+            <a:endParaRPr lang="en-US"/>
+          </a:p>
+        </p:txBody>
+      </p:sp>
+      <p:sp>
+        <p:nvSpPr>
+          <p:cNvPr id="35" name="TextBox 34"/>
+          <p:cNvSpPr txBox="1"/>
+          <p:nvPr/>
+        </p:nvSpPr>
+        <p:spPr>
+          <a:xfrm>
+            <a:off x="5122762" y="4004465"/>
+            <a:ext cx="246888" cy="369332"/>
+          </a:xfrm>
+          <a:prstGeom prst="rect">
+            <a:avLst/>
+          </a:prstGeom>
+          <a:noFill/>
+        </p:spPr>
+        <p:txBody>
+          <a:bodyPr wrap="square" rtlCol="0">
+            <a:spAutoFit/>
+          </a:bodyPr>
+          <a:lstStyle/>
+          <a:p>
+            <a:r>
+              <a:rPr lang="en-US" smtClean="0"/>
+              <a:t>A</a:t>
+            </a:r>
+            <a:endParaRPr lang="en-US"/>
+          </a:p>
+        </p:txBody>
+      </p:sp>
+      <p:sp>
+        <p:nvSpPr>
+          <p:cNvPr id="36" name="TextBox 35"/>
+          <p:cNvSpPr txBox="1"/>
+          <p:nvPr/>
+        </p:nvSpPr>
+        <p:spPr>
+          <a:xfrm>
+            <a:off x="6305160" y="4004465"/>
+            <a:ext cx="246888" cy="369332"/>
+          </a:xfrm>
+          <a:prstGeom prst="rect">
+            <a:avLst/>
+          </a:prstGeom>
+          <a:noFill/>
+        </p:spPr>
+        <p:txBody>
+          <a:bodyPr wrap="square" rtlCol="0">
+            <a:spAutoFit/>
+          </a:bodyPr>
+          <a:lstStyle/>
+          <a:p>
+            <a:r>
+              <a:rPr lang="en-US" dirty="0" smtClean="0"/>
+              <a:t>B</a:t>
+            </a:r>
+            <a:endParaRPr lang="en-US" dirty="0"/>
+          </a:p>
+        </p:txBody>
+      </p:sp>
+      <p:cxnSp>
+        <p:nvCxnSpPr>
+          <p:cNvPr id="37" name="Straight Connector 36"/>
+          <p:cNvCxnSpPr/>
+          <p:nvPr/>
+        </p:nvCxnSpPr>
+        <p:spPr>
+          <a:xfrm flipV="1">
+            <a:off x="4791108" y="3406264"/>
+            <a:ext cx="1046958" cy="3896"/>
+          </a:xfrm>
+          <a:prstGeom prst="line">
+            <a:avLst/>
+          </a:prstGeom>
+          <a:ln w="31750">
+            <a:solidFill>
+              <a:schemeClr val="accent1">
+                <a:alpha val="44000"/>
+              </a:schemeClr>
+            </a:solidFill>
+          </a:ln>
+        </p:spPr>
+        <p:style>
+          <a:lnRef idx="1">
+            <a:schemeClr val="accent1"/>
+          </a:lnRef>
+          <a:fillRef idx="0">
+            <a:schemeClr val="accent1"/>
+          </a:fillRef>
+          <a:effectRef idx="0">
+            <a:schemeClr val="accent1"/>
+          </a:effectRef>
+          <a:fontRef idx="minor">
+            <a:schemeClr val="tx1"/>
+          </a:fontRef>
+        </p:style>
+      </p:cxnSp>
+      <p:cxnSp>
+        <p:nvCxnSpPr>
+          <p:cNvPr id="38" name="Straight Connector 37"/>
+          <p:cNvCxnSpPr/>
+          <p:nvPr/>
+        </p:nvCxnSpPr>
+        <p:spPr>
+          <a:xfrm flipH="1">
+            <a:off x="5891755" y="3341691"/>
+            <a:ext cx="1" cy="733890"/>
+          </a:xfrm>
+          <a:prstGeom prst="line">
+            <a:avLst/>
+          </a:prstGeom>
+          <a:ln w="31750">
+            <a:solidFill>
+              <a:schemeClr val="accent1">
+                <a:alpha val="44000"/>
+              </a:schemeClr>
+            </a:solidFill>
+          </a:ln>
+        </p:spPr>
+        <p:style>
+          <a:lnRef idx="1">
+            <a:schemeClr val="accent1"/>
+          </a:lnRef>
+          <a:fillRef idx="0">
+            <a:schemeClr val="accent1"/>
+          </a:fillRef>
+          <a:effectRef idx="0">
+            <a:schemeClr val="accent1"/>
+          </a:effectRef>
+          <a:fontRef idx="minor">
+            <a:schemeClr val="tx1"/>
+          </a:fontRef>
+        </p:style>
+      </p:cxnSp>
+      <p:pic>
+        <p:nvPicPr>
+          <p:cNvPr id="8" name="Picture 7"/>
+          <p:cNvPicPr>
+            <a:picLocks noChangeAspect="1"/>
+          </p:cNvPicPr>
+          <p:nvPr/>
+        </p:nvPicPr>
+        <p:blipFill>
+          <a:blip r:embed="rId5"/>
+          <a:stretch>
+            <a:fillRect/>
+          </a:stretch>
+        </p:blipFill>
+        <p:spPr>
+          <a:xfrm>
+            <a:off x="399479" y="3237413"/>
+            <a:ext cx="3797300" cy="939800"/>
+          </a:xfrm>
+          <a:prstGeom prst="rect">
+            <a:avLst/>
+          </a:prstGeom>
+        </p:spPr>
+      </p:pic>
+      <p:pic>
+        <p:nvPicPr>
+          <p:cNvPr id="9" name="Picture 8"/>
+          <p:cNvPicPr>
+            <a:picLocks noChangeAspect="1"/>
+          </p:cNvPicPr>
+          <p:nvPr/>
+        </p:nvPicPr>
+        <p:blipFill>
+          <a:blip r:embed="rId6"/>
+          <a:stretch>
+            <a:fillRect/>
+          </a:stretch>
+        </p:blipFill>
+        <p:spPr>
+          <a:xfrm>
+            <a:off x="399479" y="4261169"/>
+            <a:ext cx="1346200" cy="368300"/>
+          </a:xfrm>
+          <a:prstGeom prst="rect">
+            <a:avLst/>
+          </a:prstGeom>
+        </p:spPr>
+      </p:pic>
+    </p:spTree>
+    <p:extLst>
+      <p:ext uri="{BB962C8B-B14F-4D97-AF65-F5344CB8AC3E}">
+        <p14:creationId xmlns:p14="http://schemas.microsoft.com/office/powerpoint/2010/main" val="435711053"/>
+      </p:ext>
+    </p:extLst>
+  </p:cSld>
+  <p:clrMapOvr>
+    <a:masterClrMapping/>
+  </p:clrMapOvr>
+  <p:transition spd="med"/>
+  <p:timing>
+    <p:tnLst>
+      <p:par>
+        <p:cTn id="1" dur="indefinite" restart="never" fill="hold" nodeType="tmRoot"/>
+      </p:par>
+    </p:tnLst>
+  </p:timing>
+</p:sld>
+</file>
+
+<file path=ppt/slides/slide12.xml><?xml version="1.0" encoding="utf-8"?>
+<p:sld xmlns:a="http://schemas.openxmlformats.org/drawingml/2006/main" xmlns:r="http://schemas.openxmlformats.org/officeDocument/2006/relationships" xmlns:p="http://schemas.openxmlformats.org/presentationml/2006/main">
+  <p:cSld>
+    <p:spTree>
+      <p:nvGrpSpPr>
+        <p:cNvPr id="1" name=""/>
+        <p:cNvGrpSpPr/>
+        <p:nvPr/>
+      </p:nvGrpSpPr>
+      <p:grpSpPr>
+        <a:xfrm>
+          <a:off x="0" y="0"/>
+          <a:ext cx="0" cy="0"/>
+          <a:chOff x="0" y="0"/>
+          <a:chExt cx="0" cy="0"/>
+        </a:xfrm>
+      </p:grpSpPr>
+      <p:pic>
+        <p:nvPicPr>
+          <p:cNvPr id="14" name="Picture 13"/>
+          <p:cNvPicPr>
+            <a:picLocks noChangeAspect="1"/>
+          </p:cNvPicPr>
+          <p:nvPr/>
+        </p:nvPicPr>
+        <p:blipFill>
+          <a:blip r:embed="rId2"/>
+          <a:stretch>
+            <a:fillRect/>
+          </a:stretch>
+        </p:blipFill>
+        <p:spPr>
+          <a:xfrm>
+            <a:off x="371557" y="1893151"/>
+            <a:ext cx="6572671" cy="2047416"/>
+          </a:xfrm>
+          <a:prstGeom prst="rect">
+            <a:avLst/>
+          </a:prstGeom>
+        </p:spPr>
+      </p:pic>
+      <p:pic>
+        <p:nvPicPr>
+          <p:cNvPr id="16" name="Picture 15"/>
+          <p:cNvPicPr>
+            <a:picLocks noChangeAspect="1"/>
+          </p:cNvPicPr>
+          <p:nvPr/>
+        </p:nvPicPr>
+        <p:blipFill>
+          <a:blip r:embed="rId3"/>
+          <a:stretch>
+            <a:fillRect/>
+          </a:stretch>
+        </p:blipFill>
+        <p:spPr>
+          <a:xfrm>
+            <a:off x="371557" y="4219572"/>
+            <a:ext cx="1584565" cy="816660"/>
+          </a:xfrm>
+          <a:prstGeom prst="rect">
+            <a:avLst/>
+          </a:prstGeom>
+        </p:spPr>
+      </p:pic>
+      <mc:AlternateContent xmlns:mc="http://schemas.openxmlformats.org/markup-compatibility/2006">
+        <mc:Choice xmlns:a14="http://schemas.microsoft.com/office/drawing/2010/main" Requires="a14">
           <p:sp>
             <p:nvSpPr>
               <p:cNvPr id="22" name="TextBox 21"/>
@@ -5500,7 +6506,7 @@
             </p:nvSpPr>
             <p:spPr>
               <a:xfrm>
-                <a:off x="2804937" y="5247892"/>
+                <a:off x="2804937" y="4120840"/>
                 <a:ext cx="2368947" cy="1014124"/>
               </a:xfrm>
               <a:prstGeom prst="rect">
@@ -5745,7 +6751,7 @@
             </p:txBody>
           </p:sp>
         </mc:Choice>
-        <mc:Fallback xmlns="">
+        <mc:Fallback>
           <p:sp>
             <p:nvSpPr>
               <p:cNvPr id="22" name="TextBox 21"/>
@@ -5756,14 +6762,14 @@
             </p:nvSpPr>
             <p:spPr>
               <a:xfrm>
-                <a:off x="2804937" y="5247892"/>
+                <a:off x="2804937" y="4120840"/>
                 <a:ext cx="2368947" cy="1014124"/>
               </a:xfrm>
               <a:prstGeom prst="rect">
                 <a:avLst/>
               </a:prstGeom>
               <a:blipFill rotWithShape="0">
-                <a:blip r:embed="rId6"/>
+                <a:blip r:embed="rId4"/>
                 <a:stretch>
                   <a:fillRect/>
                 </a:stretch>
@@ -5789,14 +6795,14 @@
       </mc:AlternateContent>
       <p:sp>
         <p:nvSpPr>
-          <p:cNvPr id="23" name="Rounded Rectangle 22"/>
+          <p:cNvPr id="24" name="Rounded Rectangle 23"/>
           <p:cNvSpPr/>
           <p:nvPr/>
         </p:nvSpPr>
         <p:spPr>
           <a:xfrm>
-            <a:off x="231908" y="745997"/>
-            <a:ext cx="11765020" cy="1557612"/>
+            <a:off x="231908" y="1854059"/>
+            <a:ext cx="11765020" cy="2086508"/>
           </a:xfrm>
           <a:prstGeom prst="roundRect">
             <a:avLst>
@@ -5837,14 +6843,14 @@
       </p:sp>
       <p:sp>
         <p:nvSpPr>
-          <p:cNvPr id="24" name="Rounded Rectangle 23"/>
+          <p:cNvPr id="25" name="Rounded Rectangle 24"/>
           <p:cNvSpPr/>
           <p:nvPr/>
         </p:nvSpPr>
         <p:spPr>
           <a:xfrm>
-            <a:off x="231908" y="2981111"/>
-            <a:ext cx="11765020" cy="2086508"/>
+            <a:off x="231908" y="3940567"/>
+            <a:ext cx="11765020" cy="1344926"/>
           </a:xfrm>
           <a:prstGeom prst="roundRect">
             <a:avLst>
@@ -5885,62 +6891,14 @@
       </p:sp>
       <p:sp>
         <p:nvSpPr>
-          <p:cNvPr id="25" name="Rounded Rectangle 24"/>
-          <p:cNvSpPr/>
-          <p:nvPr/>
-        </p:nvSpPr>
-        <p:spPr>
-          <a:xfrm>
-            <a:off x="231908" y="5067619"/>
-            <a:ext cx="11765020" cy="1344926"/>
-          </a:xfrm>
-          <a:prstGeom prst="roundRect">
-            <a:avLst>
-              <a:gd name="adj" fmla="val 3026"/>
-            </a:avLst>
-          </a:prstGeom>
-          <a:noFill/>
-          <a:ln>
-            <a:solidFill>
-              <a:schemeClr val="accent2"/>
-            </a:solidFill>
-          </a:ln>
-        </p:spPr>
-        <p:style>
-          <a:lnRef idx="2">
-            <a:schemeClr val="accent1">
-              <a:shade val="50000"/>
-            </a:schemeClr>
-          </a:lnRef>
-          <a:fillRef idx="1">
-            <a:schemeClr val="accent1"/>
-          </a:fillRef>
-          <a:effectRef idx="0">
-            <a:schemeClr val="accent1"/>
-          </a:effectRef>
-          <a:fontRef idx="minor">
-            <a:schemeClr val="lt1"/>
-          </a:fontRef>
-        </p:style>
-        <p:txBody>
-          <a:bodyPr rtlCol="0" anchor="ctr"/>
-          <a:lstStyle/>
-          <a:p>
-            <a:pPr algn="ctr"/>
-            <a:endParaRPr lang="en-US"/>
-          </a:p>
-        </p:txBody>
-      </p:sp>
-      <p:sp>
-        <p:nvSpPr>
-          <p:cNvPr id="26" name="TextBox 25"/>
+          <p:cNvPr id="15" name="TextBox 14"/>
           <p:cNvSpPr txBox="1"/>
           <p:nvPr/>
         </p:nvSpPr>
         <p:spPr>
           <a:xfrm>
-            <a:off x="237705" y="448794"/>
-            <a:ext cx="5148111" cy="307777"/>
+            <a:off x="237706" y="1549641"/>
+            <a:ext cx="2567232" cy="307777"/>
           </a:xfrm>
           <a:prstGeom prst="rect">
             <a:avLst/>
@@ -5960,175 +6918,6 @@
           <a:p>
             <a:r>
               <a:rPr lang="en-US" sz="1400" dirty="0" smtClean="0"/>
-              <a:t>Inner dimensions are equal (n columns matrix A = m rows matrix B)</a:t>
-            </a:r>
-            <a:endParaRPr lang="en-US" sz="1400" dirty="0"/>
-          </a:p>
-        </p:txBody>
-      </p:sp>
-      <p:sp>
-        <p:nvSpPr>
-          <p:cNvPr id="17" name="TextBox 16"/>
-          <p:cNvSpPr txBox="1"/>
-          <p:nvPr/>
-        </p:nvSpPr>
-        <p:spPr>
-          <a:xfrm>
-            <a:off x="3534448" y="1619087"/>
-            <a:ext cx="246888" cy="369332"/>
-          </a:xfrm>
-          <a:prstGeom prst="rect">
-            <a:avLst/>
-          </a:prstGeom>
-          <a:noFill/>
-        </p:spPr>
-        <p:txBody>
-          <a:bodyPr wrap="square" rtlCol="0">
-            <a:spAutoFit/>
-          </a:bodyPr>
-          <a:lstStyle/>
-          <a:p>
-            <a:r>
-              <a:rPr lang="en-US" smtClean="0"/>
-              <a:t>A</a:t>
-            </a:r>
-            <a:endParaRPr lang="en-US"/>
-          </a:p>
-        </p:txBody>
-      </p:sp>
-      <p:sp>
-        <p:nvSpPr>
-          <p:cNvPr id="27" name="TextBox 26"/>
-          <p:cNvSpPr txBox="1"/>
-          <p:nvPr/>
-        </p:nvSpPr>
-        <p:spPr>
-          <a:xfrm>
-            <a:off x="4510847" y="1657015"/>
-            <a:ext cx="246888" cy="369332"/>
-          </a:xfrm>
-          <a:prstGeom prst="rect">
-            <a:avLst/>
-          </a:prstGeom>
-          <a:noFill/>
-        </p:spPr>
-        <p:txBody>
-          <a:bodyPr wrap="square" rtlCol="0">
-            <a:spAutoFit/>
-          </a:bodyPr>
-          <a:lstStyle/>
-          <a:p>
-            <a:r>
-              <a:rPr lang="en-US" dirty="0" smtClean="0"/>
-              <a:t>B</a:t>
-            </a:r>
-            <a:endParaRPr lang="en-US" dirty="0"/>
-          </a:p>
-        </p:txBody>
-      </p:sp>
-      <p:cxnSp>
-        <p:nvCxnSpPr>
-          <p:cNvPr id="28" name="Straight Connector 27"/>
-          <p:cNvCxnSpPr/>
-          <p:nvPr/>
-        </p:nvCxnSpPr>
-        <p:spPr>
-          <a:xfrm>
-            <a:off x="4387345" y="907663"/>
-            <a:ext cx="555045" cy="0"/>
-          </a:xfrm>
-          <a:prstGeom prst="line">
-            <a:avLst/>
-          </a:prstGeom>
-          <a:ln w="31750">
-            <a:solidFill>
-              <a:schemeClr val="accent1">
-                <a:alpha val="44000"/>
-              </a:schemeClr>
-            </a:solidFill>
-          </a:ln>
-        </p:spPr>
-        <p:style>
-          <a:lnRef idx="1">
-            <a:schemeClr val="accent1"/>
-          </a:lnRef>
-          <a:fillRef idx="0">
-            <a:schemeClr val="accent1"/>
-          </a:fillRef>
-          <a:effectRef idx="0">
-            <a:schemeClr val="accent1"/>
-          </a:effectRef>
-          <a:fontRef idx="minor">
-            <a:schemeClr val="tx1"/>
-          </a:fontRef>
-        </p:style>
-      </p:cxnSp>
-      <p:cxnSp>
-        <p:nvCxnSpPr>
-          <p:cNvPr id="29" name="Straight Connector 28"/>
-          <p:cNvCxnSpPr/>
-          <p:nvPr/>
-        </p:nvCxnSpPr>
-        <p:spPr>
-          <a:xfrm flipH="1">
-            <a:off x="4190294" y="1118269"/>
-            <a:ext cx="1929" cy="395437"/>
-          </a:xfrm>
-          <a:prstGeom prst="line">
-            <a:avLst/>
-          </a:prstGeom>
-          <a:ln w="31750">
-            <a:solidFill>
-              <a:schemeClr val="accent1">
-                <a:alpha val="44000"/>
-              </a:schemeClr>
-            </a:solidFill>
-          </a:ln>
-        </p:spPr>
-        <p:style>
-          <a:lnRef idx="1">
-            <a:schemeClr val="accent1"/>
-          </a:lnRef>
-          <a:fillRef idx="0">
-            <a:schemeClr val="accent1"/>
-          </a:fillRef>
-          <a:effectRef idx="0">
-            <a:schemeClr val="accent1"/>
-          </a:effectRef>
-          <a:fontRef idx="minor">
-            <a:schemeClr val="tx1"/>
-          </a:fontRef>
-        </p:style>
-      </p:cxnSp>
-      <p:sp>
-        <p:nvSpPr>
-          <p:cNvPr id="15" name="TextBox 14"/>
-          <p:cNvSpPr txBox="1"/>
-          <p:nvPr/>
-        </p:nvSpPr>
-        <p:spPr>
-          <a:xfrm>
-            <a:off x="237706" y="2676693"/>
-            <a:ext cx="2567232" cy="307777"/>
-          </a:xfrm>
-          <a:prstGeom prst="rect">
-            <a:avLst/>
-          </a:prstGeom>
-          <a:solidFill>
-            <a:schemeClr val="accent2">
-              <a:lumMod val="20000"/>
-              <a:lumOff val="80000"/>
-            </a:schemeClr>
-          </a:solidFill>
-        </p:spPr>
-        <p:txBody>
-          <a:bodyPr wrap="square" rtlCol="0">
-            <a:spAutoFit/>
-          </a:bodyPr>
-          <a:lstStyle/>
-          <a:p>
-            <a:r>
-              <a:rPr lang="en-US" sz="1400" dirty="0" smtClean="0"/>
               <a:t>Matrices have same dimensions</a:t>
             </a:r>
             <a:endParaRPr lang="en-US" sz="1400" dirty="0"/>
@@ -6143,7 +6932,7 @@
         </p:nvSpPr>
         <p:spPr>
           <a:xfrm>
-            <a:off x="9079774" y="5601065"/>
+            <a:off x="9079774" y="4474013"/>
             <a:ext cx="2437036" cy="307777"/>
           </a:xfrm>
           <a:prstGeom prst="rect">
@@ -6184,7 +6973,7 @@
         </p:nvSpPr>
         <p:spPr>
           <a:xfrm>
-            <a:off x="9079774" y="3830010"/>
+            <a:off x="9079774" y="2702958"/>
             <a:ext cx="2437036" cy="307777"/>
           </a:xfrm>
           <a:prstGeom prst="rect">
@@ -6220,7 +7009,7 @@
     </p:spTree>
     <p:extLst>
       <p:ext uri="{BB962C8B-B14F-4D97-AF65-F5344CB8AC3E}">
-        <p14:creationId xmlns:p14="http://schemas.microsoft.com/office/powerpoint/2010/main" val="435711053"/>
+        <p14:creationId xmlns:p14="http://schemas.microsoft.com/office/powerpoint/2010/main" val="161659382"/>
       </p:ext>
     </p:extLst>
   </p:cSld>
